--- a/docs/Java Training - chapter3 - TDD.pptx
+++ b/docs/Java Training - chapter3 - TDD.pptx
@@ -293,7 +293,7 @@
           <a:p>
             <a:fld id="{C2C91B24-3D43-48EE-BFAB-133390AAD9A9}" type="datetimeFigureOut">
               <a:rPr lang="fr-FR" smtClean="0"/>
-              <a:t>27/03/2022</a:t>
+              <a:t>28/03/2022</a:t>
             </a:fld>
             <a:endParaRPr lang="fr-FR"/>
           </a:p>
@@ -5804,7 +5804,7 @@
           <a:p>
             <a:fld id="{2414732B-4FD9-45DF-BC8A-93512C06B668}" type="datetimeFigureOut">
               <a:rPr lang="fr-FR" smtClean="0"/>
-              <a:t>27/03/2022</a:t>
+              <a:t>28/03/2022</a:t>
             </a:fld>
             <a:endParaRPr lang="fr-FR"/>
           </a:p>
@@ -6002,7 +6002,7 @@
           <a:p>
             <a:fld id="{2414732B-4FD9-45DF-BC8A-93512C06B668}" type="datetimeFigureOut">
               <a:rPr lang="fr-FR" smtClean="0"/>
-              <a:t>27/03/2022</a:t>
+              <a:t>28/03/2022</a:t>
             </a:fld>
             <a:endParaRPr lang="fr-FR"/>
           </a:p>
@@ -6277,7 +6277,7 @@
           <a:p>
             <a:fld id="{2414732B-4FD9-45DF-BC8A-93512C06B668}" type="datetimeFigureOut">
               <a:rPr lang="fr-FR" smtClean="0"/>
-              <a:t>27/03/2022</a:t>
+              <a:t>28/03/2022</a:t>
             </a:fld>
             <a:endParaRPr lang="fr-FR"/>
           </a:p>
@@ -6542,7 +6542,7 @@
           <a:p>
             <a:fld id="{2414732B-4FD9-45DF-BC8A-93512C06B668}" type="datetimeFigureOut">
               <a:rPr lang="fr-FR" smtClean="0"/>
-              <a:t>27/03/2022</a:t>
+              <a:t>28/03/2022</a:t>
             </a:fld>
             <a:endParaRPr lang="fr-FR"/>
           </a:p>
@@ -6954,7 +6954,7 @@
           <a:p>
             <a:fld id="{2414732B-4FD9-45DF-BC8A-93512C06B668}" type="datetimeFigureOut">
               <a:rPr lang="fr-FR" smtClean="0"/>
-              <a:t>27/03/2022</a:t>
+              <a:t>28/03/2022</a:t>
             </a:fld>
             <a:endParaRPr lang="fr-FR"/>
           </a:p>
@@ -7095,7 +7095,7 @@
           <a:p>
             <a:fld id="{2414732B-4FD9-45DF-BC8A-93512C06B668}" type="datetimeFigureOut">
               <a:rPr lang="fr-FR" smtClean="0"/>
-              <a:t>27/03/2022</a:t>
+              <a:t>28/03/2022</a:t>
             </a:fld>
             <a:endParaRPr lang="fr-FR"/>
           </a:p>
@@ -7208,7 +7208,7 @@
           <a:p>
             <a:fld id="{2414732B-4FD9-45DF-BC8A-93512C06B668}" type="datetimeFigureOut">
               <a:rPr lang="fr-FR" smtClean="0"/>
-              <a:t>27/03/2022</a:t>
+              <a:t>28/03/2022</a:t>
             </a:fld>
             <a:endParaRPr lang="fr-FR"/>
           </a:p>
@@ -7519,7 +7519,7 @@
           <a:p>
             <a:fld id="{2414732B-4FD9-45DF-BC8A-93512C06B668}" type="datetimeFigureOut">
               <a:rPr lang="fr-FR" smtClean="0"/>
-              <a:t>27/03/2022</a:t>
+              <a:t>28/03/2022</a:t>
             </a:fld>
             <a:endParaRPr lang="fr-FR"/>
           </a:p>
@@ -7807,7 +7807,7 @@
           <a:p>
             <a:fld id="{2414732B-4FD9-45DF-BC8A-93512C06B668}" type="datetimeFigureOut">
               <a:rPr lang="fr-FR" smtClean="0"/>
-              <a:t>27/03/2022</a:t>
+              <a:t>28/03/2022</a:t>
             </a:fld>
             <a:endParaRPr lang="fr-FR"/>
           </a:p>
@@ -8005,7 +8005,7 @@
           <a:p>
             <a:fld id="{2414732B-4FD9-45DF-BC8A-93512C06B668}" type="datetimeFigureOut">
               <a:rPr lang="fr-FR" smtClean="0"/>
-              <a:t>27/03/2022</a:t>
+              <a:t>28/03/2022</a:t>
             </a:fld>
             <a:endParaRPr lang="fr-FR"/>
           </a:p>
@@ -8332,7 +8332,7 @@
           <a:p>
             <a:fld id="{2414732B-4FD9-45DF-BC8A-93512C06B668}" type="datetimeFigureOut">
               <a:rPr lang="fr-FR" smtClean="0"/>
-              <a:t>27/03/2022</a:t>
+              <a:t>28/03/2022</a:t>
             </a:fld>
             <a:endParaRPr lang="fr-FR"/>
           </a:p>
@@ -14424,7 +14424,7 @@
           <a:p>
             <a:fld id="{2414732B-4FD9-45DF-BC8A-93512C06B668}" type="datetimeFigureOut">
               <a:rPr lang="fr-FR" smtClean="0"/>
-              <a:t>27/03/2022</a:t>
+              <a:t>28/03/2022</a:t>
             </a:fld>
             <a:endParaRPr lang="fr-FR"/>
           </a:p>
@@ -15775,7 +15775,7 @@
         <p:fade/>
       </p:transition>
     </mc:Choice>
-    <mc:Fallback xmlns:p15="http://schemas.microsoft.com/office/powerpoint/2012/main" xmlns="">
+    <mc:Fallback xmlns="" xmlns:p15="http://schemas.microsoft.com/office/powerpoint/2012/main">
       <p:transition spd="med">
         <p:fade/>
       </p:transition>
